--- a/doc/TP3.pptx
+++ b/doc/TP3.pptx
@@ -133,6 +133,7 @@
 <p1510:revInfo xmlns:a="http://schemas.openxmlformats.org/drawingml/2006/main" xmlns:r="http://schemas.openxmlformats.org/officeDocument/2006/relationships" xmlns:p1510="http://schemas.microsoft.com/office/powerpoint/2015/10/main">
   <p1510:revLst>
     <p1510:client id="{9E89C2BF-FC90-AB9F-8556-C42ABB7CD432}" v="38" dt="2021-11-30T22:15:15.314"/>
+    <p1510:client id="{C95BC93C-B64E-65CB-71F0-27F248F911CB}" v="3" dt="2021-11-30T23:36:00.863"/>
     <p1510:client id="{E44D0F21-9776-4CD4-A2EA-98C8666C8C42}" v="357" dt="2021-11-30T21:50:28.533"/>
     <p1510:client id="{F49B0464-E7CE-4BB7-B413-9A3DBEEF9925}" v="176" dt="2021-11-30T22:57:48.881"/>
   </p1510:revLst>
@@ -4064,9 +4065,6 @@
             </a:rPr>
             <a:t>blog/release/v14.10.0/</a:t>
           </a:r>
-          <a:endParaRPr lang="fr-FR" dirty="0">
-            <a:hlinkClick xmlns:r="http://schemas.openxmlformats.org/officeDocument/2006/relationships" r:id="rId4"/>
-          </a:endParaRPr>
         </a:p>
       </dgm:t>
     </dgm:pt>
@@ -5680,9 +5678,6 @@
             </a:rPr>
             <a:t>blog/release/v14.10.0/</a:t>
           </a:r>
-          <a:endParaRPr lang="fr-FR" sz="3200" kern="1200" dirty="0">
-            <a:hlinkClick xmlns:r="http://schemas.openxmlformats.org/officeDocument/2006/relationships" r:id="rId1"/>
-          </a:endParaRPr>
         </a:p>
       </dsp:txBody>
       <dsp:txXfrm>
@@ -31468,11 +31463,7 @@
           <a:p>
             <a:r>
               <a:rPr lang="en-US" dirty="0"/>
-              <a:t>Mathieu Lefebvre – Adel </a:t>
-            </a:r>
-            <a:r>
-              <a:rPr lang="en-US" dirty="0" err="1"/>
-              <a:t>Chebani</a:t>
+              <a:t>Mathieu Lefebvre</a:t>
             </a:r>
           </a:p>
         </p:txBody>
@@ -56159,15 +56150,6 @@
 </file>
 
 <file path=customXml/item1.xml><?xml version="1.0" encoding="utf-8"?>
-<?mso-contentType ?>
-<FormTemplates xmlns="http://schemas.microsoft.com/sharepoint/v3/contenttype/forms">
-  <Display>DocumentLibraryForm</Display>
-  <Edit>DocumentLibraryForm</Edit>
-  <New>DocumentLibraryForm</New>
-</FormTemplates>
-</file>
-
-<file path=customXml/item2.xml><?xml version="1.0" encoding="utf-8"?>
 <p:properties xmlns:p="http://schemas.microsoft.com/office/2006/metadata/properties" xmlns:xsi="http://www.w3.org/2001/XMLSchema-instance" xmlns:pc="http://schemas.microsoft.com/office/infopath/2007/PartnerControls">
   <documentManagement>
     <_ip_UnifiedCompliancePolicyUIAction xmlns="http://schemas.microsoft.com/sharepoint/v3" xsi:nil="true"/>
@@ -56184,6 +56166,15 @@
     <MediaServiceKeyPoints xmlns="71af3243-3dd4-4a8d-8c0d-dd76da1f02a5" xsi:nil="true"/>
   </documentManagement>
 </p:properties>
+</file>
+
+<file path=customXml/item2.xml><?xml version="1.0" encoding="utf-8"?>
+<?mso-contentType ?>
+<FormTemplates xmlns="http://schemas.microsoft.com/sharepoint/v3/contenttype/forms">
+  <Display>DocumentLibraryForm</Display>
+  <Edit>DocumentLibraryForm</Edit>
+  <New>DocumentLibraryForm</New>
+</FormTemplates>
 </file>
 
 <file path=customXml/item3.xml><?xml version="1.0" encoding="utf-8"?>
@@ -56463,14 +56454,6 @@
 </file>
 
 <file path=customXml/itemProps1.xml><?xml version="1.0" encoding="utf-8"?>
-<ds:datastoreItem xmlns:ds="http://schemas.openxmlformats.org/officeDocument/2006/customXml" ds:itemID="{BA7C683C-DA35-4A0E-ADD0-CC297892D8C4}">
-  <ds:schemaRefs>
-    <ds:schemaRef ds:uri="http://schemas.microsoft.com/sharepoint/v3/contenttype/forms"/>
-  </ds:schemaRefs>
-</ds:datastoreItem>
-</file>
-
-<file path=customXml/itemProps2.xml><?xml version="1.0" encoding="utf-8"?>
 <ds:datastoreItem xmlns:ds="http://schemas.openxmlformats.org/officeDocument/2006/customXml" ds:itemID="{3C239BB0-53B8-40A5-8BB9-15D2ED1AEBC9}">
   <ds:schemaRefs>
     <ds:schemaRef ds:uri="http://schemas.microsoft.com/office/2006/metadata/properties"/>
@@ -56478,6 +56461,14 @@
     <ds:schemaRef ds:uri="http://schemas.microsoft.com/sharepoint/v3"/>
     <ds:schemaRef ds:uri="71af3243-3dd4-4a8d-8c0d-dd76da1f02a5"/>
     <ds:schemaRef ds:uri="230e9df3-be65-4c73-a93b-d1236ebd677e"/>
+  </ds:schemaRefs>
+</ds:datastoreItem>
+</file>
+
+<file path=customXml/itemProps2.xml><?xml version="1.0" encoding="utf-8"?>
+<ds:datastoreItem xmlns:ds="http://schemas.openxmlformats.org/officeDocument/2006/customXml" ds:itemID="{BA7C683C-DA35-4A0E-ADD0-CC297892D8C4}">
+  <ds:schemaRefs>
+    <ds:schemaRef ds:uri="http://schemas.microsoft.com/sharepoint/v3/contenttype/forms"/>
   </ds:schemaRefs>
 </ds:datastoreItem>
 </file>
